--- a/Presentaciones/3. Tarea While.pptx
+++ b/Presentaciones/3. Tarea While.pptx
@@ -5,10 +5,11 @@
     <p:sldMasterId id="2147483732" r:id="rId1"/>
   </p:sldMasterIdLst>
   <p:notesMasterIdLst>
-    <p:notesMasterId r:id="rId3"/>
+    <p:notesMasterId r:id="rId4"/>
   </p:notesMasterIdLst>
   <p:sldIdLst>
     <p:sldId id="281" r:id="rId2"/>
+    <p:sldId id="282" r:id="rId3"/>
   </p:sldIdLst>
   <p:sldSz cx="12192000" cy="6858000"/>
   <p:notesSz cx="6858000" cy="9144000"/>
@@ -197,7 +198,7 @@
           <a:p>
             <a:fld id="{E4B0D690-8AFA-4190-91CA-93D164836BC5}" type="datetimeFigureOut">
               <a:rPr lang="es-CO" smtClean="0"/>
-              <a:t>20/09/2018</a:t>
+              <a:t>4/10/2018</a:t>
             </a:fld>
             <a:endParaRPr lang="es-CO"/>
           </a:p>
@@ -665,7 +666,7 @@
           <a:p>
             <a:fld id="{4D459765-66A3-4114-9514-A57B5A254277}" type="datetimeFigureOut">
               <a:rPr lang="es-ES" smtClean="0"/>
-              <a:t>20/09/2018</a:t>
+              <a:t>04/10/2018</a:t>
             </a:fld>
             <a:endParaRPr lang="es-ES"/>
           </a:p>
@@ -855,7 +856,7 @@
           <a:p>
             <a:fld id="{4D459765-66A3-4114-9514-A57B5A254277}" type="datetimeFigureOut">
               <a:rPr lang="es-ES" smtClean="0"/>
-              <a:t>20/09/2018</a:t>
+              <a:t>04/10/2018</a:t>
             </a:fld>
             <a:endParaRPr lang="es-ES"/>
           </a:p>
@@ -1035,7 +1036,7 @@
           <a:p>
             <a:fld id="{4D459765-66A3-4114-9514-A57B5A254277}" type="datetimeFigureOut">
               <a:rPr lang="es-ES" smtClean="0"/>
-              <a:t>20/09/2018</a:t>
+              <a:t>04/10/2018</a:t>
             </a:fld>
             <a:endParaRPr lang="es-ES"/>
           </a:p>
@@ -1338,7 +1339,7 @@
           <a:p>
             <a:fld id="{4D459765-66A3-4114-9514-A57B5A254277}" type="datetimeFigureOut">
               <a:rPr lang="es-ES" smtClean="0"/>
-              <a:t>20/09/2018</a:t>
+              <a:t>04/10/2018</a:t>
             </a:fld>
             <a:endParaRPr lang="es-ES"/>
           </a:p>
@@ -1594,7 +1595,7 @@
           <a:p>
             <a:fld id="{4D459765-66A3-4114-9514-A57B5A254277}" type="datetimeFigureOut">
               <a:rPr lang="es-ES" smtClean="0"/>
-              <a:t>20/09/2018</a:t>
+              <a:t>04/10/2018</a:t>
             </a:fld>
             <a:endParaRPr lang="es-ES"/>
           </a:p>
@@ -1882,7 +1883,7 @@
           <a:p>
             <a:fld id="{4D459765-66A3-4114-9514-A57B5A254277}" type="datetimeFigureOut">
               <a:rPr lang="es-ES" smtClean="0"/>
-              <a:t>20/09/2018</a:t>
+              <a:t>04/10/2018</a:t>
             </a:fld>
             <a:endParaRPr lang="es-ES"/>
           </a:p>
@@ -2320,7 +2321,7 @@
           <a:p>
             <a:fld id="{4D459765-66A3-4114-9514-A57B5A254277}" type="datetimeFigureOut">
               <a:rPr lang="es-ES" smtClean="0"/>
-              <a:t>20/09/2018</a:t>
+              <a:t>04/10/2018</a:t>
             </a:fld>
             <a:endParaRPr lang="es-ES"/>
           </a:p>
@@ -2438,7 +2439,7 @@
           <a:p>
             <a:fld id="{4D459765-66A3-4114-9514-A57B5A254277}" type="datetimeFigureOut">
               <a:rPr lang="es-ES" smtClean="0"/>
-              <a:t>20/09/2018</a:t>
+              <a:t>04/10/2018</a:t>
             </a:fld>
             <a:endParaRPr lang="es-ES"/>
           </a:p>
@@ -2533,7 +2534,7 @@
           <a:p>
             <a:fld id="{4D459765-66A3-4114-9514-A57B5A254277}" type="datetimeFigureOut">
               <a:rPr lang="es-ES" smtClean="0"/>
-              <a:t>20/09/2018</a:t>
+              <a:t>04/10/2018</a:t>
             </a:fld>
             <a:endParaRPr lang="es-ES"/>
           </a:p>
@@ -2889,7 +2890,7 @@
           <a:p>
             <a:fld id="{4D459765-66A3-4114-9514-A57B5A254277}" type="datetimeFigureOut">
               <a:rPr lang="es-ES" smtClean="0"/>
-              <a:t>20/09/2018</a:t>
+              <a:t>04/10/2018</a:t>
             </a:fld>
             <a:endParaRPr lang="es-ES"/>
           </a:p>
@@ -3205,7 +3206,7 @@
           <a:p>
             <a:fld id="{4D459765-66A3-4114-9514-A57B5A254277}" type="datetimeFigureOut">
               <a:rPr lang="es-ES" smtClean="0"/>
-              <a:t>20/09/2018</a:t>
+              <a:t>04/10/2018</a:t>
             </a:fld>
             <a:endParaRPr lang="es-ES"/>
           </a:p>
@@ -3438,7 +3439,7 @@
           <a:p>
             <a:fld id="{4D459765-66A3-4114-9514-A57B5A254277}" type="datetimeFigureOut">
               <a:rPr lang="es-ES" smtClean="0"/>
-              <a:t>20/09/2018</a:t>
+              <a:t>04/10/2018</a:t>
             </a:fld>
             <a:endParaRPr lang="es-ES"/>
           </a:p>
@@ -3898,8 +3899,13 @@
           <a:p>
             <a:r>
               <a:rPr lang="es-CO" dirty="0"/>
-              <a:t>Tarea</a:t>
-            </a:r>
+              <a:t>Tarea </a:t>
+            </a:r>
+            <a:r>
+              <a:rPr lang="es-CO" dirty="0" err="1"/>
+              <a:t>If-While</a:t>
+            </a:r>
+            <a:endParaRPr lang="es-CO" dirty="0"/>
           </a:p>
         </p:txBody>
       </p:sp>
@@ -4035,6 +4041,162 @@
     <p:extLst>
       <p:ext uri="{BB962C8B-B14F-4D97-AF65-F5344CB8AC3E}">
         <p14:creationId xmlns:p14="http://schemas.microsoft.com/office/powerpoint/2010/main" val="1776655983"/>
+      </p:ext>
+    </p:extLst>
+  </p:cSld>
+  <p:clrMapOvr>
+    <a:masterClrMapping/>
+  </p:clrMapOvr>
+</p:sld>
+</file>
+
+<file path=ppt/slides/slide2.xml><?xml version="1.0" encoding="utf-8"?>
+<p:sld xmlns:a="http://schemas.openxmlformats.org/drawingml/2006/main" xmlns:r="http://schemas.openxmlformats.org/officeDocument/2006/relationships" xmlns:p="http://schemas.openxmlformats.org/presentationml/2006/main">
+  <p:cSld>
+    <p:spTree>
+      <p:nvGrpSpPr>
+        <p:cNvPr id="1" name=""/>
+        <p:cNvGrpSpPr/>
+        <p:nvPr/>
+      </p:nvGrpSpPr>
+      <p:grpSpPr>
+        <a:xfrm>
+          <a:off x="0" y="0"/>
+          <a:ext cx="0" cy="0"/>
+          <a:chOff x="0" y="0"/>
+          <a:chExt cx="0" cy="0"/>
+        </a:xfrm>
+      </p:grpSpPr>
+      <p:sp>
+        <p:nvSpPr>
+          <p:cNvPr id="2" name="Título 1">
+            <a:extLst>
+              <a:ext uri="{FF2B5EF4-FFF2-40B4-BE49-F238E27FC236}">
+                <a16:creationId xmlns:a16="http://schemas.microsoft.com/office/drawing/2014/main" id="{1F7B7A12-1708-430C-96AE-2636A86CE939}"/>
+              </a:ext>
+            </a:extLst>
+          </p:cNvPr>
+          <p:cNvSpPr>
+            <a:spLocks noGrp="1"/>
+          </p:cNvSpPr>
+          <p:nvPr>
+            <p:ph type="title"/>
+          </p:nvPr>
+        </p:nvSpPr>
+        <p:spPr/>
+        <p:txBody>
+          <a:bodyPr/>
+          <a:lstStyle/>
+          <a:p>
+            <a:r>
+              <a:rPr lang="es-CO" dirty="0"/>
+              <a:t>Tarea FOR</a:t>
+            </a:r>
+          </a:p>
+        </p:txBody>
+      </p:sp>
+      <p:sp>
+        <p:nvSpPr>
+          <p:cNvPr id="3" name="Marcador de contenido 2">
+            <a:extLst>
+              <a:ext uri="{FF2B5EF4-FFF2-40B4-BE49-F238E27FC236}">
+                <a16:creationId xmlns:a16="http://schemas.microsoft.com/office/drawing/2014/main" id="{03362C8D-9D08-4F6F-9981-4CE5BE531873}"/>
+              </a:ext>
+            </a:extLst>
+          </p:cNvPr>
+          <p:cNvSpPr>
+            <a:spLocks noGrp="1"/>
+          </p:cNvSpPr>
+          <p:nvPr>
+            <p:ph sz="quarter" idx="10"/>
+          </p:nvPr>
+        </p:nvSpPr>
+        <p:spPr>
+          <a:xfrm>
+            <a:off x="379413" y="2090056"/>
+            <a:ext cx="11525250" cy="4588557"/>
+          </a:xfrm>
+        </p:spPr>
+        <p:txBody>
+          <a:bodyPr>
+            <a:normAutofit/>
+          </a:bodyPr>
+          <a:lstStyle/>
+          <a:p>
+            <a:pPr marL="0" indent="0">
+              <a:buNone/>
+            </a:pPr>
+            <a:r>
+              <a:rPr lang="es-CO" dirty="0"/>
+              <a:t>Desarrollar los siguientes ejercicios en C#</a:t>
+            </a:r>
+          </a:p>
+          <a:p>
+            <a:pPr marL="457200" lvl="0" indent="-457200">
+              <a:buFont typeface="+mj-lt"/>
+              <a:buAutoNum type="arabicPeriod"/>
+            </a:pPr>
+            <a:r>
+              <a:rPr lang="es-ES" dirty="0"/>
+              <a:t>Realice un programa que usando sumas sucesivas obtenga el valor del producto de dos números enteros ingresados. </a:t>
+            </a:r>
+          </a:p>
+          <a:p>
+            <a:pPr marL="457200" lvl="0" indent="-457200">
+              <a:buFont typeface="+mj-lt"/>
+              <a:buAutoNum type="arabicPeriod"/>
+            </a:pPr>
+            <a:r>
+              <a:rPr lang="es-ES" dirty="0"/>
+              <a:t>Que obtenga mediante restas sucesivas el valor de la división entera entre dos números ingresados</a:t>
+            </a:r>
+          </a:p>
+          <a:p>
+            <a:pPr marL="457200" lvl="0" indent="-457200">
+              <a:buFont typeface="+mj-lt"/>
+              <a:buAutoNum type="arabicPeriod"/>
+            </a:pPr>
+            <a:r>
+              <a:rPr lang="es-ES" dirty="0"/>
+              <a:t>Que calcule el factorial de un número ingresado</a:t>
+            </a:r>
+          </a:p>
+          <a:p>
+            <a:pPr marL="457200" lvl="0" indent="-457200">
+              <a:buFont typeface="+mj-lt"/>
+              <a:buAutoNum type="arabicPeriod"/>
+            </a:pPr>
+            <a:r>
+              <a:rPr lang="es-ES" dirty="0"/>
+              <a:t>Encontrar la sumatoria de los números primos que existan hasta un número dado</a:t>
+            </a:r>
+          </a:p>
+          <a:p>
+            <a:pPr marL="457200" lvl="0" indent="-457200">
+              <a:buFont typeface="+mj-lt"/>
+              <a:buAutoNum type="arabicPeriod"/>
+            </a:pPr>
+            <a:endParaRPr lang="es-ES" dirty="0"/>
+          </a:p>
+          <a:p>
+            <a:pPr marL="0" indent="0">
+              <a:buNone/>
+            </a:pPr>
+            <a:endParaRPr lang="es-CO" dirty="0"/>
+          </a:p>
+          <a:p>
+            <a:pPr marL="457200" indent="-457200">
+              <a:buFont typeface="+mj-lt"/>
+              <a:buAutoNum type="arabicPeriod"/>
+            </a:pPr>
+            <a:endParaRPr lang="es-CO" dirty="0"/>
+          </a:p>
+        </p:txBody>
+      </p:sp>
+    </p:spTree>
+    <p:extLst>
+      <p:ext uri="{BB962C8B-B14F-4D97-AF65-F5344CB8AC3E}">
+        <p14:creationId xmlns:p14="http://schemas.microsoft.com/office/powerpoint/2010/main" val="3468220091"/>
       </p:ext>
     </p:extLst>
   </p:cSld>
